--- a/user-studies/plots/base-template-donut-chart.pptx
+++ b/user-studies/plots/base-template-donut-chart.pptx
@@ -6,12 +6,13 @@
   </p:sldMasterIdLst>
   <p:sldIdLst>
     <p:sldId id="258" r:id="rId2"/>
-    <p:sldId id="272" r:id="rId3"/>
-    <p:sldId id="273" r:id="rId4"/>
-    <p:sldId id="274" r:id="rId5"/>
-    <p:sldId id="275" r:id="rId6"/>
-    <p:sldId id="276" r:id="rId7"/>
-    <p:sldId id="277" r:id="rId8"/>
+    <p:sldId id="278" r:id="rId3"/>
+    <p:sldId id="272" r:id="rId4"/>
+    <p:sldId id="273" r:id="rId5"/>
+    <p:sldId id="274" r:id="rId6"/>
+    <p:sldId id="275" r:id="rId7"/>
+    <p:sldId id="276" r:id="rId8"/>
+    <p:sldId id="277" r:id="rId9"/>
   </p:sldIdLst>
   <p:sldSz cx="6840538" cy="6840538"/>
   <p:notesSz cx="6858000" cy="9144000"/>
@@ -249,7 +250,7 @@
           <a:p>
             <a:fld id="{AFC13C47-027E-BC40-85E6-9477C003E13A}" type="datetimeFigureOut">
               <a:rPr lang="en-US" smtClean="0"/>
-              <a:t>7/8/24</a:t>
+              <a:t>7/13/24</a:t>
             </a:fld>
             <a:endParaRPr lang="en-US"/>
           </a:p>
@@ -419,7 +420,7 @@
           <a:p>
             <a:fld id="{AFC13C47-027E-BC40-85E6-9477C003E13A}" type="datetimeFigureOut">
               <a:rPr lang="en-US" smtClean="0"/>
-              <a:t>7/8/24</a:t>
+              <a:t>7/13/24</a:t>
             </a:fld>
             <a:endParaRPr lang="en-US"/>
           </a:p>
@@ -599,7 +600,7 @@
           <a:p>
             <a:fld id="{AFC13C47-027E-BC40-85E6-9477C003E13A}" type="datetimeFigureOut">
               <a:rPr lang="en-US" smtClean="0"/>
-              <a:t>7/8/24</a:t>
+              <a:t>7/13/24</a:t>
             </a:fld>
             <a:endParaRPr lang="en-US"/>
           </a:p>
@@ -769,7 +770,7 @@
           <a:p>
             <a:fld id="{AFC13C47-027E-BC40-85E6-9477C003E13A}" type="datetimeFigureOut">
               <a:rPr lang="en-US" smtClean="0"/>
-              <a:t>7/8/24</a:t>
+              <a:t>7/13/24</a:t>
             </a:fld>
             <a:endParaRPr lang="en-US"/>
           </a:p>
@@ -1015,7 +1016,7 @@
           <a:p>
             <a:fld id="{AFC13C47-027E-BC40-85E6-9477C003E13A}" type="datetimeFigureOut">
               <a:rPr lang="en-US" smtClean="0"/>
-              <a:t>7/8/24</a:t>
+              <a:t>7/13/24</a:t>
             </a:fld>
             <a:endParaRPr lang="en-US"/>
           </a:p>
@@ -1247,7 +1248,7 @@
           <a:p>
             <a:fld id="{AFC13C47-027E-BC40-85E6-9477C003E13A}" type="datetimeFigureOut">
               <a:rPr lang="en-US" smtClean="0"/>
-              <a:t>7/8/24</a:t>
+              <a:t>7/13/24</a:t>
             </a:fld>
             <a:endParaRPr lang="en-US"/>
           </a:p>
@@ -1614,7 +1615,7 @@
           <a:p>
             <a:fld id="{AFC13C47-027E-BC40-85E6-9477C003E13A}" type="datetimeFigureOut">
               <a:rPr lang="en-US" smtClean="0"/>
-              <a:t>7/8/24</a:t>
+              <a:t>7/13/24</a:t>
             </a:fld>
             <a:endParaRPr lang="en-US"/>
           </a:p>
@@ -1732,7 +1733,7 @@
           <a:p>
             <a:fld id="{AFC13C47-027E-BC40-85E6-9477C003E13A}" type="datetimeFigureOut">
               <a:rPr lang="en-US" smtClean="0"/>
-              <a:t>7/8/24</a:t>
+              <a:t>7/13/24</a:t>
             </a:fld>
             <a:endParaRPr lang="en-US"/>
           </a:p>
@@ -1827,7 +1828,7 @@
           <a:p>
             <a:fld id="{AFC13C47-027E-BC40-85E6-9477C003E13A}" type="datetimeFigureOut">
               <a:rPr lang="en-US" smtClean="0"/>
-              <a:t>7/8/24</a:t>
+              <a:t>7/13/24</a:t>
             </a:fld>
             <a:endParaRPr lang="en-US"/>
           </a:p>
@@ -2104,7 +2105,7 @@
           <a:p>
             <a:fld id="{AFC13C47-027E-BC40-85E6-9477C003E13A}" type="datetimeFigureOut">
               <a:rPr lang="en-US" smtClean="0"/>
-              <a:t>7/8/24</a:t>
+              <a:t>7/13/24</a:t>
             </a:fld>
             <a:endParaRPr lang="en-US"/>
           </a:p>
@@ -2361,7 +2362,7 @@
           <a:p>
             <a:fld id="{AFC13C47-027E-BC40-85E6-9477C003E13A}" type="datetimeFigureOut">
               <a:rPr lang="en-US" smtClean="0"/>
-              <a:t>7/8/24</a:t>
+              <a:t>7/13/24</a:t>
             </a:fld>
             <a:endParaRPr lang="en-US"/>
           </a:p>
@@ -2574,7 +2575,7 @@
           <a:p>
             <a:fld id="{AFC13C47-027E-BC40-85E6-9477C003E13A}" type="datetimeFigureOut">
               <a:rPr lang="en-US" smtClean="0"/>
-              <a:t>7/8/24</a:t>
+              <a:t>7/13/24</a:t>
             </a:fld>
             <a:endParaRPr lang="en-US"/>
           </a:p>
@@ -3755,10 +3756,118 @@
           </a:p>
         </p:txBody>
       </p:sp>
+      <p:sp>
+        <p:nvSpPr>
+          <p:cNvPr id="14" name="Rectangle 13">
+            <a:extLst>
+              <a:ext uri="{FF2B5EF4-FFF2-40B4-BE49-F238E27FC236}">
+                <a16:creationId xmlns:a16="http://schemas.microsoft.com/office/drawing/2014/main" id="{46529A2B-007E-EDDD-AA44-E22C0CF7F3E6}"/>
+              </a:ext>
+            </a:extLst>
+          </p:cNvPr>
+          <p:cNvSpPr/>
+          <p:nvPr/>
+        </p:nvSpPr>
+        <p:spPr>
+          <a:xfrm>
+            <a:off x="2526174" y="766387"/>
+            <a:ext cx="692552" cy="555585"/>
+          </a:xfrm>
+          <a:prstGeom prst="rect">
+            <a:avLst/>
+          </a:prstGeom>
+          <a:solidFill>
+            <a:schemeClr val="bg1"/>
+          </a:solidFill>
+          <a:ln>
+            <a:solidFill>
+              <a:schemeClr val="bg1"/>
+            </a:solidFill>
+          </a:ln>
+        </p:spPr>
+        <p:style>
+          <a:lnRef idx="2">
+            <a:schemeClr val="accent1">
+              <a:shade val="15000"/>
+            </a:schemeClr>
+          </a:lnRef>
+          <a:fillRef idx="1">
+            <a:schemeClr val="accent1"/>
+          </a:fillRef>
+          <a:effectRef idx="0">
+            <a:schemeClr val="accent1"/>
+          </a:effectRef>
+          <a:fontRef idx="minor">
+            <a:schemeClr val="lt1"/>
+          </a:fontRef>
+        </p:style>
+        <p:txBody>
+          <a:bodyPr rtlCol="0" anchor="ctr"/>
+          <a:lstStyle/>
+          <a:p>
+            <a:pPr algn="ctr"/>
+            <a:endParaRPr lang="en-US"/>
+          </a:p>
+        </p:txBody>
+      </p:sp>
+      <p:sp>
+        <p:nvSpPr>
+          <p:cNvPr id="15" name="Rectangle 14">
+            <a:extLst>
+              <a:ext uri="{FF2B5EF4-FFF2-40B4-BE49-F238E27FC236}">
+                <a16:creationId xmlns:a16="http://schemas.microsoft.com/office/drawing/2014/main" id="{D283F55F-C7FD-8863-1903-310C0A2C79F9}"/>
+              </a:ext>
+            </a:extLst>
+          </p:cNvPr>
+          <p:cNvSpPr/>
+          <p:nvPr/>
+        </p:nvSpPr>
+        <p:spPr>
+          <a:xfrm>
+            <a:off x="5413884" y="3717931"/>
+            <a:ext cx="692552" cy="555585"/>
+          </a:xfrm>
+          <a:prstGeom prst="rect">
+            <a:avLst/>
+          </a:prstGeom>
+          <a:solidFill>
+            <a:schemeClr val="bg1"/>
+          </a:solidFill>
+          <a:ln>
+            <a:solidFill>
+              <a:schemeClr val="bg1"/>
+            </a:solidFill>
+          </a:ln>
+        </p:spPr>
+        <p:style>
+          <a:lnRef idx="2">
+            <a:schemeClr val="accent1">
+              <a:shade val="15000"/>
+            </a:schemeClr>
+          </a:lnRef>
+          <a:fillRef idx="1">
+            <a:schemeClr val="accent1"/>
+          </a:fillRef>
+          <a:effectRef idx="0">
+            <a:schemeClr val="accent1"/>
+          </a:effectRef>
+          <a:fontRef idx="minor">
+            <a:schemeClr val="lt1"/>
+          </a:fontRef>
+        </p:style>
+        <p:txBody>
+          <a:bodyPr rtlCol="0" anchor="ctr"/>
+          <a:lstStyle/>
+          <a:p>
+            <a:pPr algn="ctr"/>
+            <a:endParaRPr lang="en-US"/>
+          </a:p>
+        </p:txBody>
+      </p:sp>
     </p:spTree>
     <p:extLst>
       <p:ext uri="{BB962C8B-B14F-4D97-AF65-F5344CB8AC3E}">
-        <p14:creationId xmlns:p14="http://schemas.microsoft.com/office/powerpoint/2010/main" val="1435633131"/>
+        <p14:creationId xmlns:p14="http://schemas.microsoft.com/office/powerpoint/2010/main" val="3255721698"/>
       </p:ext>
     </p:extLst>
   </p:cSld>
@@ -3991,7 +4100,7 @@
         </p:nvSpPr>
         <p:spPr>
           <a:xfrm>
-            <a:off x="4443688" y="5291560"/>
+            <a:off x="5567274" y="3811058"/>
             <a:ext cx="532435" cy="369332"/>
           </a:xfrm>
           <a:prstGeom prst="rect">
@@ -4037,7 +4146,7 @@
         </p:nvSpPr>
         <p:spPr>
           <a:xfrm>
-            <a:off x="4291264" y="1097566"/>
+            <a:off x="2642886" y="859514"/>
             <a:ext cx="532435" cy="369332"/>
           </a:xfrm>
           <a:prstGeom prst="rect">
@@ -4137,7 +4246,7 @@
         </p:nvSpPr>
         <p:spPr>
           <a:xfrm>
-            <a:off x="2572425" y="717630"/>
+            <a:off x="4107997" y="951053"/>
             <a:ext cx="692552" cy="555585"/>
           </a:xfrm>
           <a:prstGeom prst="rect">
@@ -4245,7 +4354,7 @@
         </p:nvSpPr>
         <p:spPr>
           <a:xfrm>
-            <a:off x="5489143" y="3771318"/>
+            <a:off x="4454273" y="5198962"/>
             <a:ext cx="692552" cy="555585"/>
           </a:xfrm>
           <a:prstGeom prst="rect">
@@ -4396,7 +4505,7 @@
     </p:spTree>
     <p:extLst>
       <p:ext uri="{BB962C8B-B14F-4D97-AF65-F5344CB8AC3E}">
-        <p14:creationId xmlns:p14="http://schemas.microsoft.com/office/powerpoint/2010/main" val="3666710338"/>
+        <p14:creationId xmlns:p14="http://schemas.microsoft.com/office/powerpoint/2010/main" val="1435633131"/>
       </p:ext>
     </p:extLst>
   </p:cSld>
@@ -4675,7 +4784,7 @@
         </p:nvSpPr>
         <p:spPr>
           <a:xfrm>
-            <a:off x="1002150" y="2104563"/>
+            <a:off x="4291264" y="1097566"/>
             <a:ext cx="532435" cy="369332"/>
           </a:xfrm>
           <a:prstGeom prst="rect">
@@ -4721,7 +4830,7 @@
         </p:nvSpPr>
         <p:spPr>
           <a:xfrm>
-            <a:off x="4283571" y="1053295"/>
+            <a:off x="913435" y="1958051"/>
             <a:ext cx="692552" cy="555585"/>
           </a:xfrm>
           <a:prstGeom prst="rect">
@@ -5034,7 +5143,7 @@
     </p:spTree>
     <p:extLst>
       <p:ext uri="{BB962C8B-B14F-4D97-AF65-F5344CB8AC3E}">
-        <p14:creationId xmlns:p14="http://schemas.microsoft.com/office/powerpoint/2010/main" val="2759197501"/>
+        <p14:creationId xmlns:p14="http://schemas.microsoft.com/office/powerpoint/2010/main" val="3666710338"/>
       </p:ext>
     </p:extLst>
   </p:cSld>
@@ -5267,7 +5376,7 @@
         </p:nvSpPr>
         <p:spPr>
           <a:xfrm>
-            <a:off x="2934948" y="5611692"/>
+            <a:off x="4443688" y="5291560"/>
             <a:ext cx="532435" cy="369332"/>
           </a:xfrm>
           <a:prstGeom prst="rect">
@@ -5313,7 +5422,7 @@
         </p:nvSpPr>
         <p:spPr>
           <a:xfrm>
-            <a:off x="2642886" y="859514"/>
+            <a:off x="1002150" y="2104563"/>
             <a:ext cx="532435" cy="369332"/>
           </a:xfrm>
           <a:prstGeom prst="rect">
@@ -5359,7 +5468,7 @@
         </p:nvSpPr>
         <p:spPr>
           <a:xfrm>
-            <a:off x="913435" y="1958051"/>
+            <a:off x="4283571" y="1053295"/>
             <a:ext cx="692552" cy="555585"/>
           </a:xfrm>
           <a:prstGeom prst="rect">
@@ -5413,7 +5522,7 @@
         </p:nvSpPr>
         <p:spPr>
           <a:xfrm>
-            <a:off x="4107997" y="951053"/>
+            <a:off x="2572425" y="717630"/>
             <a:ext cx="692552" cy="555585"/>
           </a:xfrm>
           <a:prstGeom prst="rect">
@@ -5521,7 +5630,7 @@
         </p:nvSpPr>
         <p:spPr>
           <a:xfrm>
-            <a:off x="4454273" y="5198962"/>
+            <a:off x="5489143" y="3771318"/>
             <a:ext cx="692552" cy="555585"/>
           </a:xfrm>
           <a:prstGeom prst="rect">
@@ -5575,7 +5684,7 @@
         </p:nvSpPr>
         <p:spPr>
           <a:xfrm>
-            <a:off x="5441732" y="3711616"/>
+            <a:off x="2829045" y="5508391"/>
             <a:ext cx="692552" cy="555585"/>
           </a:xfrm>
           <a:prstGeom prst="rect">
@@ -5672,7 +5781,7 @@
     </p:spTree>
     <p:extLst>
       <p:ext uri="{BB962C8B-B14F-4D97-AF65-F5344CB8AC3E}">
-        <p14:creationId xmlns:p14="http://schemas.microsoft.com/office/powerpoint/2010/main" val="3241165789"/>
+        <p14:creationId xmlns:p14="http://schemas.microsoft.com/office/powerpoint/2010/main" val="2759197501"/>
       </p:ext>
     </p:extLst>
   </p:cSld>
@@ -5905,6 +6014,644 @@
         </p:nvSpPr>
         <p:spPr>
           <a:xfrm>
+            <a:off x="2934948" y="5611692"/>
+            <a:ext cx="532435" cy="369332"/>
+          </a:xfrm>
+          <a:prstGeom prst="rect">
+            <a:avLst/>
+          </a:prstGeom>
+          <a:solidFill>
+            <a:schemeClr val="bg1"/>
+          </a:solidFill>
+          <a:ln>
+            <a:solidFill>
+              <a:schemeClr val="bg1"/>
+            </a:solidFill>
+          </a:ln>
+        </p:spPr>
+        <p:txBody>
+          <a:bodyPr wrap="square" rtlCol="0">
+            <a:spAutoFit/>
+          </a:bodyPr>
+          <a:lstStyle/>
+          <a:p>
+            <a:pPr algn="ctr"/>
+            <a:r>
+              <a:rPr lang="en-US" b="1" dirty="0">
+                <a:latin typeface="Arial" panose="020B0604020202020204" pitchFamily="34" charset="0"/>
+                <a:cs typeface="Arial" panose="020B0604020202020204" pitchFamily="34" charset="0"/>
+              </a:rPr>
+              <a:t>A</a:t>
+            </a:r>
+          </a:p>
+        </p:txBody>
+      </p:sp>
+      <p:sp>
+        <p:nvSpPr>
+          <p:cNvPr id="5" name="TextBox 4">
+            <a:extLst>
+              <a:ext uri="{FF2B5EF4-FFF2-40B4-BE49-F238E27FC236}">
+                <a16:creationId xmlns:a16="http://schemas.microsoft.com/office/drawing/2014/main" id="{06C18C36-8789-EB10-0BF6-14B9D0A3BC2B}"/>
+              </a:ext>
+            </a:extLst>
+          </p:cNvPr>
+          <p:cNvSpPr txBox="1"/>
+          <p:nvPr/>
+        </p:nvSpPr>
+        <p:spPr>
+          <a:xfrm>
+            <a:off x="2642886" y="859514"/>
+            <a:ext cx="532435" cy="369332"/>
+          </a:xfrm>
+          <a:prstGeom prst="rect">
+            <a:avLst/>
+          </a:prstGeom>
+          <a:solidFill>
+            <a:schemeClr val="bg1"/>
+          </a:solidFill>
+          <a:ln>
+            <a:solidFill>
+              <a:schemeClr val="bg1"/>
+            </a:solidFill>
+          </a:ln>
+        </p:spPr>
+        <p:txBody>
+          <a:bodyPr wrap="square" rtlCol="0">
+            <a:spAutoFit/>
+          </a:bodyPr>
+          <a:lstStyle/>
+          <a:p>
+            <a:pPr algn="ctr"/>
+            <a:r>
+              <a:rPr lang="en-US" b="1" dirty="0">
+                <a:latin typeface="Arial" panose="020B0604020202020204" pitchFamily="34" charset="0"/>
+                <a:cs typeface="Arial" panose="020B0604020202020204" pitchFamily="34" charset="0"/>
+              </a:rPr>
+              <a:t>B</a:t>
+            </a:r>
+          </a:p>
+        </p:txBody>
+      </p:sp>
+      <p:sp>
+        <p:nvSpPr>
+          <p:cNvPr id="7" name="Rectangle 6">
+            <a:extLst>
+              <a:ext uri="{FF2B5EF4-FFF2-40B4-BE49-F238E27FC236}">
+                <a16:creationId xmlns:a16="http://schemas.microsoft.com/office/drawing/2014/main" id="{98EE5C04-EA00-F58B-3059-6FE3BA00C1D8}"/>
+              </a:ext>
+            </a:extLst>
+          </p:cNvPr>
+          <p:cNvSpPr/>
+          <p:nvPr/>
+        </p:nvSpPr>
+        <p:spPr>
+          <a:xfrm>
+            <a:off x="913435" y="1958051"/>
+            <a:ext cx="692552" cy="555585"/>
+          </a:xfrm>
+          <a:prstGeom prst="rect">
+            <a:avLst/>
+          </a:prstGeom>
+          <a:solidFill>
+            <a:schemeClr val="bg1"/>
+          </a:solidFill>
+          <a:ln>
+            <a:solidFill>
+              <a:schemeClr val="bg1"/>
+            </a:solidFill>
+          </a:ln>
+        </p:spPr>
+        <p:style>
+          <a:lnRef idx="2">
+            <a:schemeClr val="accent1">
+              <a:shade val="15000"/>
+            </a:schemeClr>
+          </a:lnRef>
+          <a:fillRef idx="1">
+            <a:schemeClr val="accent1"/>
+          </a:fillRef>
+          <a:effectRef idx="0">
+            <a:schemeClr val="accent1"/>
+          </a:effectRef>
+          <a:fontRef idx="minor">
+            <a:schemeClr val="lt1"/>
+          </a:fontRef>
+        </p:style>
+        <p:txBody>
+          <a:bodyPr rtlCol="0" anchor="ctr"/>
+          <a:lstStyle/>
+          <a:p>
+            <a:pPr algn="ctr"/>
+            <a:endParaRPr lang="en-US"/>
+          </a:p>
+        </p:txBody>
+      </p:sp>
+      <p:sp>
+        <p:nvSpPr>
+          <p:cNvPr id="8" name="Rectangle 7">
+            <a:extLst>
+              <a:ext uri="{FF2B5EF4-FFF2-40B4-BE49-F238E27FC236}">
+                <a16:creationId xmlns:a16="http://schemas.microsoft.com/office/drawing/2014/main" id="{C0AEC59A-776A-F6BB-8B72-D694CEB1B43B}"/>
+              </a:ext>
+            </a:extLst>
+          </p:cNvPr>
+          <p:cNvSpPr/>
+          <p:nvPr/>
+        </p:nvSpPr>
+        <p:spPr>
+          <a:xfrm>
+            <a:off x="4107997" y="951053"/>
+            <a:ext cx="692552" cy="555585"/>
+          </a:xfrm>
+          <a:prstGeom prst="rect">
+            <a:avLst/>
+          </a:prstGeom>
+          <a:solidFill>
+            <a:schemeClr val="bg1"/>
+          </a:solidFill>
+          <a:ln>
+            <a:solidFill>
+              <a:schemeClr val="bg1"/>
+            </a:solidFill>
+          </a:ln>
+        </p:spPr>
+        <p:style>
+          <a:lnRef idx="2">
+            <a:schemeClr val="accent1">
+              <a:shade val="15000"/>
+            </a:schemeClr>
+          </a:lnRef>
+          <a:fillRef idx="1">
+            <a:schemeClr val="accent1"/>
+          </a:fillRef>
+          <a:effectRef idx="0">
+            <a:schemeClr val="accent1"/>
+          </a:effectRef>
+          <a:fontRef idx="minor">
+            <a:schemeClr val="lt1"/>
+          </a:fontRef>
+        </p:style>
+        <p:txBody>
+          <a:bodyPr rtlCol="0" anchor="ctr"/>
+          <a:lstStyle/>
+          <a:p>
+            <a:pPr algn="ctr"/>
+            <a:endParaRPr lang="en-US"/>
+          </a:p>
+        </p:txBody>
+      </p:sp>
+      <p:sp>
+        <p:nvSpPr>
+          <p:cNvPr id="9" name="Rectangle 8">
+            <a:extLst>
+              <a:ext uri="{FF2B5EF4-FFF2-40B4-BE49-F238E27FC236}">
+                <a16:creationId xmlns:a16="http://schemas.microsoft.com/office/drawing/2014/main" id="{6CD008A5-7B1E-5E7E-7236-FC7E236E2695}"/>
+              </a:ext>
+            </a:extLst>
+          </p:cNvPr>
+          <p:cNvSpPr/>
+          <p:nvPr/>
+        </p:nvSpPr>
+        <p:spPr>
+          <a:xfrm>
+            <a:off x="5407157" y="2235843"/>
+            <a:ext cx="692552" cy="555585"/>
+          </a:xfrm>
+          <a:prstGeom prst="rect">
+            <a:avLst/>
+          </a:prstGeom>
+          <a:solidFill>
+            <a:schemeClr val="bg1"/>
+          </a:solidFill>
+          <a:ln>
+            <a:solidFill>
+              <a:schemeClr val="bg1"/>
+            </a:solidFill>
+          </a:ln>
+        </p:spPr>
+        <p:style>
+          <a:lnRef idx="2">
+            <a:schemeClr val="accent1">
+              <a:shade val="15000"/>
+            </a:schemeClr>
+          </a:lnRef>
+          <a:fillRef idx="1">
+            <a:schemeClr val="accent1"/>
+          </a:fillRef>
+          <a:effectRef idx="0">
+            <a:schemeClr val="accent1"/>
+          </a:effectRef>
+          <a:fontRef idx="minor">
+            <a:schemeClr val="lt1"/>
+          </a:fontRef>
+        </p:style>
+        <p:txBody>
+          <a:bodyPr rtlCol="0" anchor="ctr"/>
+          <a:lstStyle/>
+          <a:p>
+            <a:pPr algn="ctr"/>
+            <a:endParaRPr lang="en-US"/>
+          </a:p>
+        </p:txBody>
+      </p:sp>
+      <p:sp>
+        <p:nvSpPr>
+          <p:cNvPr id="10" name="Rectangle 9">
+            <a:extLst>
+              <a:ext uri="{FF2B5EF4-FFF2-40B4-BE49-F238E27FC236}">
+                <a16:creationId xmlns:a16="http://schemas.microsoft.com/office/drawing/2014/main" id="{D9AABC06-67F5-590E-73A1-76BEAF36C861}"/>
+              </a:ext>
+            </a:extLst>
+          </p:cNvPr>
+          <p:cNvSpPr/>
+          <p:nvPr/>
+        </p:nvSpPr>
+        <p:spPr>
+          <a:xfrm>
+            <a:off x="4454273" y="5198962"/>
+            <a:ext cx="692552" cy="555585"/>
+          </a:xfrm>
+          <a:prstGeom prst="rect">
+            <a:avLst/>
+          </a:prstGeom>
+          <a:solidFill>
+            <a:schemeClr val="bg1"/>
+          </a:solidFill>
+          <a:ln>
+            <a:solidFill>
+              <a:schemeClr val="bg1"/>
+            </a:solidFill>
+          </a:ln>
+        </p:spPr>
+        <p:style>
+          <a:lnRef idx="2">
+            <a:schemeClr val="accent1">
+              <a:shade val="15000"/>
+            </a:schemeClr>
+          </a:lnRef>
+          <a:fillRef idx="1">
+            <a:schemeClr val="accent1"/>
+          </a:fillRef>
+          <a:effectRef idx="0">
+            <a:schemeClr val="accent1"/>
+          </a:effectRef>
+          <a:fontRef idx="minor">
+            <a:schemeClr val="lt1"/>
+          </a:fontRef>
+        </p:style>
+        <p:txBody>
+          <a:bodyPr rtlCol="0" anchor="ctr"/>
+          <a:lstStyle/>
+          <a:p>
+            <a:pPr algn="ctr"/>
+            <a:endParaRPr lang="en-US"/>
+          </a:p>
+        </p:txBody>
+      </p:sp>
+      <p:sp>
+        <p:nvSpPr>
+          <p:cNvPr id="11" name="Rectangle 10">
+            <a:extLst>
+              <a:ext uri="{FF2B5EF4-FFF2-40B4-BE49-F238E27FC236}">
+                <a16:creationId xmlns:a16="http://schemas.microsoft.com/office/drawing/2014/main" id="{C859ED3E-C334-E727-BB65-7490358D069B}"/>
+              </a:ext>
+            </a:extLst>
+          </p:cNvPr>
+          <p:cNvSpPr/>
+          <p:nvPr/>
+        </p:nvSpPr>
+        <p:spPr>
+          <a:xfrm>
+            <a:off x="5441732" y="3711616"/>
+            <a:ext cx="692552" cy="555585"/>
+          </a:xfrm>
+          <a:prstGeom prst="rect">
+            <a:avLst/>
+          </a:prstGeom>
+          <a:solidFill>
+            <a:schemeClr val="bg1"/>
+          </a:solidFill>
+          <a:ln>
+            <a:solidFill>
+              <a:schemeClr val="bg1"/>
+            </a:solidFill>
+          </a:ln>
+        </p:spPr>
+        <p:style>
+          <a:lnRef idx="2">
+            <a:schemeClr val="accent1">
+              <a:shade val="15000"/>
+            </a:schemeClr>
+          </a:lnRef>
+          <a:fillRef idx="1">
+            <a:schemeClr val="accent1"/>
+          </a:fillRef>
+          <a:effectRef idx="0">
+            <a:schemeClr val="accent1"/>
+          </a:effectRef>
+          <a:fontRef idx="minor">
+            <a:schemeClr val="lt1"/>
+          </a:fontRef>
+        </p:style>
+        <p:txBody>
+          <a:bodyPr rtlCol="0" anchor="ctr"/>
+          <a:lstStyle/>
+          <a:p>
+            <a:pPr algn="ctr"/>
+            <a:endParaRPr lang="en-US"/>
+          </a:p>
+        </p:txBody>
+      </p:sp>
+      <p:sp>
+        <p:nvSpPr>
+          <p:cNvPr id="13" name="Rectangle 12">
+            <a:extLst>
+              <a:ext uri="{FF2B5EF4-FFF2-40B4-BE49-F238E27FC236}">
+                <a16:creationId xmlns:a16="http://schemas.microsoft.com/office/drawing/2014/main" id="{D0399B79-F644-3232-F3FC-1CB09471F7D9}"/>
+              </a:ext>
+            </a:extLst>
+          </p:cNvPr>
+          <p:cNvSpPr/>
+          <p:nvPr/>
+        </p:nvSpPr>
+        <p:spPr>
+          <a:xfrm>
+            <a:off x="1188309" y="4735975"/>
+            <a:ext cx="692552" cy="555585"/>
+          </a:xfrm>
+          <a:prstGeom prst="rect">
+            <a:avLst/>
+          </a:prstGeom>
+          <a:solidFill>
+            <a:schemeClr val="bg1"/>
+          </a:solidFill>
+          <a:ln>
+            <a:solidFill>
+              <a:schemeClr val="bg1"/>
+            </a:solidFill>
+          </a:ln>
+        </p:spPr>
+        <p:style>
+          <a:lnRef idx="2">
+            <a:schemeClr val="accent1">
+              <a:shade val="15000"/>
+            </a:schemeClr>
+          </a:lnRef>
+          <a:fillRef idx="1">
+            <a:schemeClr val="accent1"/>
+          </a:fillRef>
+          <a:effectRef idx="0">
+            <a:schemeClr val="accent1"/>
+          </a:effectRef>
+          <a:fontRef idx="minor">
+            <a:schemeClr val="lt1"/>
+          </a:fontRef>
+        </p:style>
+        <p:txBody>
+          <a:bodyPr rtlCol="0" anchor="ctr"/>
+          <a:lstStyle/>
+          <a:p>
+            <a:pPr algn="ctr"/>
+            <a:endParaRPr lang="en-US"/>
+          </a:p>
+        </p:txBody>
+      </p:sp>
+    </p:spTree>
+    <p:extLst>
+      <p:ext uri="{BB962C8B-B14F-4D97-AF65-F5344CB8AC3E}">
+        <p14:creationId xmlns:p14="http://schemas.microsoft.com/office/powerpoint/2010/main" val="3241165789"/>
+      </p:ext>
+    </p:extLst>
+  </p:cSld>
+  <p:clrMapOvr>
+    <a:masterClrMapping/>
+  </p:clrMapOvr>
+</p:sld>
+</file>
+
+<file path=ppt/slides/slide7.xml><?xml version="1.0" encoding="utf-8"?>
+<p:sld xmlns:a="http://schemas.openxmlformats.org/drawingml/2006/main" xmlns:r="http://schemas.openxmlformats.org/officeDocument/2006/relationships" xmlns:p="http://schemas.openxmlformats.org/presentationml/2006/main">
+  <p:cSld>
+    <p:spTree>
+      <p:nvGrpSpPr>
+        <p:cNvPr id="1" name=""/>
+        <p:cNvGrpSpPr/>
+        <p:nvPr/>
+      </p:nvGrpSpPr>
+      <p:grpSpPr>
+        <a:xfrm>
+          <a:off x="0" y="0"/>
+          <a:ext cx="0" cy="0"/>
+          <a:chOff x="0" y="0"/>
+          <a:chExt cx="0" cy="0"/>
+        </a:xfrm>
+      </p:grpSpPr>
+      <p:sp>
+        <p:nvSpPr>
+          <p:cNvPr id="6" name="Rectangle 5">
+            <a:extLst>
+              <a:ext uri="{FF2B5EF4-FFF2-40B4-BE49-F238E27FC236}">
+                <a16:creationId xmlns:a16="http://schemas.microsoft.com/office/drawing/2014/main" id="{A616E7CF-9EF0-EFE8-6192-5DA0436CB259}"/>
+              </a:ext>
+            </a:extLst>
+          </p:cNvPr>
+          <p:cNvSpPr/>
+          <p:nvPr/>
+        </p:nvSpPr>
+        <p:spPr>
+          <a:xfrm>
+            <a:off x="6192456" y="92597"/>
+            <a:ext cx="532435" cy="555585"/>
+          </a:xfrm>
+          <a:prstGeom prst="rect">
+            <a:avLst/>
+          </a:prstGeom>
+          <a:solidFill>
+            <a:schemeClr val="bg1"/>
+          </a:solidFill>
+          <a:ln>
+            <a:solidFill>
+              <a:schemeClr val="bg1"/>
+            </a:solidFill>
+          </a:ln>
+        </p:spPr>
+        <p:style>
+          <a:lnRef idx="2">
+            <a:schemeClr val="accent1">
+              <a:shade val="15000"/>
+            </a:schemeClr>
+          </a:lnRef>
+          <a:fillRef idx="1">
+            <a:schemeClr val="accent1"/>
+          </a:fillRef>
+          <a:effectRef idx="0">
+            <a:schemeClr val="accent1"/>
+          </a:effectRef>
+          <a:fontRef idx="minor">
+            <a:schemeClr val="lt1"/>
+          </a:fontRef>
+        </p:style>
+        <p:txBody>
+          <a:bodyPr rtlCol="0" anchor="ctr"/>
+          <a:lstStyle/>
+          <a:p>
+            <a:pPr algn="ctr"/>
+            <a:endParaRPr lang="en-US"/>
+          </a:p>
+        </p:txBody>
+      </p:sp>
+      <p:sp>
+        <p:nvSpPr>
+          <p:cNvPr id="12" name="Rectangle 11">
+            <a:extLst>
+              <a:ext uri="{FF2B5EF4-FFF2-40B4-BE49-F238E27FC236}">
+                <a16:creationId xmlns:a16="http://schemas.microsoft.com/office/drawing/2014/main" id="{4A6CD171-8498-1E11-9409-47CEB755290F}"/>
+              </a:ext>
+            </a:extLst>
+          </p:cNvPr>
+          <p:cNvSpPr/>
+          <p:nvPr/>
+        </p:nvSpPr>
+        <p:spPr>
+          <a:xfrm>
+            <a:off x="6192455" y="162045"/>
+            <a:ext cx="532435" cy="555585"/>
+          </a:xfrm>
+          <a:prstGeom prst="rect">
+            <a:avLst/>
+          </a:prstGeom>
+          <a:solidFill>
+            <a:schemeClr val="bg1"/>
+          </a:solidFill>
+          <a:ln>
+            <a:solidFill>
+              <a:schemeClr val="bg1"/>
+            </a:solidFill>
+          </a:ln>
+        </p:spPr>
+        <p:style>
+          <a:lnRef idx="2">
+            <a:schemeClr val="accent1">
+              <a:shade val="15000"/>
+            </a:schemeClr>
+          </a:lnRef>
+          <a:fillRef idx="1">
+            <a:schemeClr val="accent1"/>
+          </a:fillRef>
+          <a:effectRef idx="0">
+            <a:schemeClr val="accent1"/>
+          </a:effectRef>
+          <a:fontRef idx="minor">
+            <a:schemeClr val="lt1"/>
+          </a:fontRef>
+        </p:style>
+        <p:txBody>
+          <a:bodyPr rtlCol="0" anchor="ctr"/>
+          <a:lstStyle/>
+          <a:p>
+            <a:pPr algn="ctr"/>
+            <a:endParaRPr lang="en-US"/>
+          </a:p>
+        </p:txBody>
+      </p:sp>
+      <p:pic>
+        <p:nvPicPr>
+          <p:cNvPr id="3" name="Picture 2">
+            <a:extLst>
+              <a:ext uri="{FF2B5EF4-FFF2-40B4-BE49-F238E27FC236}">
+                <a16:creationId xmlns:a16="http://schemas.microsoft.com/office/drawing/2014/main" id="{04427C15-021F-4D4F-C1A4-6F84A7F52DA4}"/>
+              </a:ext>
+            </a:extLst>
+          </p:cNvPr>
+          <p:cNvPicPr>
+            <a:picLocks noChangeAspect="1"/>
+          </p:cNvPicPr>
+          <p:nvPr/>
+        </p:nvPicPr>
+        <p:blipFill>
+          <a:blip r:embed="rId2"/>
+          <a:stretch>
+            <a:fillRect/>
+          </a:stretch>
+        </p:blipFill>
+        <p:spPr>
+          <a:xfrm>
+            <a:off x="0" y="4430"/>
+            <a:ext cx="6840538" cy="6831677"/>
+          </a:xfrm>
+          <a:prstGeom prst="rect">
+            <a:avLst/>
+          </a:prstGeom>
+        </p:spPr>
+      </p:pic>
+      <p:sp>
+        <p:nvSpPr>
+          <p:cNvPr id="2" name="Rectangle 1">
+            <a:extLst>
+              <a:ext uri="{FF2B5EF4-FFF2-40B4-BE49-F238E27FC236}">
+                <a16:creationId xmlns:a16="http://schemas.microsoft.com/office/drawing/2014/main" id="{F695598A-7C6D-8126-20AD-682F00890807}"/>
+              </a:ext>
+            </a:extLst>
+          </p:cNvPr>
+          <p:cNvSpPr/>
+          <p:nvPr/>
+        </p:nvSpPr>
+        <p:spPr>
+          <a:xfrm>
+            <a:off x="6099709" y="127321"/>
+            <a:ext cx="532435" cy="555585"/>
+          </a:xfrm>
+          <a:prstGeom prst="rect">
+            <a:avLst/>
+          </a:prstGeom>
+          <a:solidFill>
+            <a:schemeClr val="bg1"/>
+          </a:solidFill>
+          <a:ln>
+            <a:solidFill>
+              <a:schemeClr val="bg1"/>
+            </a:solidFill>
+          </a:ln>
+        </p:spPr>
+        <p:style>
+          <a:lnRef idx="2">
+            <a:schemeClr val="accent1">
+              <a:shade val="15000"/>
+            </a:schemeClr>
+          </a:lnRef>
+          <a:fillRef idx="1">
+            <a:schemeClr val="accent1"/>
+          </a:fillRef>
+          <a:effectRef idx="0">
+            <a:schemeClr val="accent1"/>
+          </a:effectRef>
+          <a:fontRef idx="minor">
+            <a:schemeClr val="lt1"/>
+          </a:fontRef>
+        </p:style>
+        <p:txBody>
+          <a:bodyPr rtlCol="0" anchor="ctr"/>
+          <a:lstStyle/>
+          <a:p>
+            <a:pPr algn="ctr"/>
+            <a:endParaRPr lang="en-US"/>
+          </a:p>
+        </p:txBody>
+      </p:sp>
+      <p:sp>
+        <p:nvSpPr>
+          <p:cNvPr id="4" name="TextBox 3">
+            <a:extLst>
+              <a:ext uri="{FF2B5EF4-FFF2-40B4-BE49-F238E27FC236}">
+                <a16:creationId xmlns:a16="http://schemas.microsoft.com/office/drawing/2014/main" id="{21C777D5-66BC-DAEB-11FC-EFC624CC2BAE}"/>
+              </a:ext>
+            </a:extLst>
+          </p:cNvPr>
+          <p:cNvSpPr txBox="1"/>
+          <p:nvPr/>
+        </p:nvSpPr>
+        <p:spPr>
+          <a:xfrm>
             <a:off x="5467318" y="2405504"/>
             <a:ext cx="532435" cy="369332"/>
           </a:xfrm>
@@ -6320,7 +7067,7 @@
 </p:sld>
 </file>
 
-<file path=ppt/slides/slide7.xml><?xml version="1.0" encoding="utf-8"?>
+<file path=ppt/slides/slide8.xml><?xml version="1.0" encoding="utf-8"?>
 <p:sld xmlns:a="http://schemas.openxmlformats.org/drawingml/2006/main" xmlns:r="http://schemas.openxmlformats.org/officeDocument/2006/relationships" xmlns:p="http://schemas.openxmlformats.org/presentationml/2006/main">
   <p:cSld>
     <p:spTree>
